--- a/ClassMaterials/ObjectIntroAndMisc/Slides/Part3-ObjectIntro.pptx
+++ b/ClassMaterials/ObjectIntroAndMisc/Slides/Part3-ObjectIntro.pptx
@@ -625,7 +625,7 @@
           <a:p>
             <a:fld id="{73386005-8F80-1A49-87D1-22EBFA47E352}" type="datetimeFigureOut">
               <a:rPr lang="en-US" smtClean="0"/>
-              <a:t>11/20/22</a:t>
+              <a:t>12/4/2022</a:t>
             </a:fld>
             <a:endParaRPr lang="en-US"/>
           </a:p>
@@ -1587,7 +1587,7 @@
           <a:p>
             <a:fld id="{5B07E745-2C70-2943-8487-A8F6E88ADF5E}" type="datetimeFigureOut">
               <a:rPr lang="en-US" smtClean="0"/>
-              <a:t>11/20/22</a:t>
+              <a:t>12/4/2022</a:t>
             </a:fld>
             <a:endParaRPr lang="en-US"/>
           </a:p>
@@ -1755,7 +1755,7 @@
           <a:p>
             <a:fld id="{5B07E745-2C70-2943-8487-A8F6E88ADF5E}" type="datetimeFigureOut">
               <a:rPr lang="en-US" smtClean="0"/>
-              <a:t>11/20/22</a:t>
+              <a:t>12/4/2022</a:t>
             </a:fld>
             <a:endParaRPr lang="en-US"/>
           </a:p>
@@ -1933,7 +1933,7 @@
           <a:p>
             <a:fld id="{5B07E745-2C70-2943-8487-A8F6E88ADF5E}" type="datetimeFigureOut">
               <a:rPr lang="en-US" smtClean="0"/>
-              <a:t>11/20/22</a:t>
+              <a:t>12/4/2022</a:t>
             </a:fld>
             <a:endParaRPr lang="en-US"/>
           </a:p>
@@ -2101,7 +2101,7 @@
           <a:p>
             <a:fld id="{5B07E745-2C70-2943-8487-A8F6E88ADF5E}" type="datetimeFigureOut">
               <a:rPr lang="en-US" smtClean="0"/>
-              <a:t>11/20/22</a:t>
+              <a:t>12/4/2022</a:t>
             </a:fld>
             <a:endParaRPr lang="en-US"/>
           </a:p>
@@ -2346,7 +2346,7 @@
           <a:p>
             <a:fld id="{5B07E745-2C70-2943-8487-A8F6E88ADF5E}" type="datetimeFigureOut">
               <a:rPr lang="en-US" smtClean="0"/>
-              <a:t>11/20/22</a:t>
+              <a:t>12/4/2022</a:t>
             </a:fld>
             <a:endParaRPr lang="en-US"/>
           </a:p>
@@ -2631,7 +2631,7 @@
           <a:p>
             <a:fld id="{5B07E745-2C70-2943-8487-A8F6E88ADF5E}" type="datetimeFigureOut">
               <a:rPr lang="en-US" smtClean="0"/>
-              <a:t>11/20/22</a:t>
+              <a:t>12/4/2022</a:t>
             </a:fld>
             <a:endParaRPr lang="en-US"/>
           </a:p>
@@ -3050,7 +3050,7 @@
           <a:p>
             <a:fld id="{5B07E745-2C70-2943-8487-A8F6E88ADF5E}" type="datetimeFigureOut">
               <a:rPr lang="en-US" smtClean="0"/>
-              <a:t>11/20/22</a:t>
+              <a:t>12/4/2022</a:t>
             </a:fld>
             <a:endParaRPr lang="en-US"/>
           </a:p>
@@ -3167,7 +3167,7 @@
           <a:p>
             <a:fld id="{5B07E745-2C70-2943-8487-A8F6E88ADF5E}" type="datetimeFigureOut">
               <a:rPr lang="en-US" smtClean="0"/>
-              <a:t>11/20/22</a:t>
+              <a:t>12/4/2022</a:t>
             </a:fld>
             <a:endParaRPr lang="en-US"/>
           </a:p>
@@ -3262,7 +3262,7 @@
           <a:p>
             <a:fld id="{5B07E745-2C70-2943-8487-A8F6E88ADF5E}" type="datetimeFigureOut">
               <a:rPr lang="en-US" smtClean="0"/>
-              <a:t>11/20/22</a:t>
+              <a:t>12/4/2022</a:t>
             </a:fld>
             <a:endParaRPr lang="en-US"/>
           </a:p>
@@ -3537,7 +3537,7 @@
           <a:p>
             <a:fld id="{5B07E745-2C70-2943-8487-A8F6E88ADF5E}" type="datetimeFigureOut">
               <a:rPr lang="en-US" smtClean="0"/>
-              <a:t>11/20/22</a:t>
+              <a:t>12/4/2022</a:t>
             </a:fld>
             <a:endParaRPr lang="en-US"/>
           </a:p>
@@ -3789,7 +3789,7 @@
           <a:p>
             <a:fld id="{5B07E745-2C70-2943-8487-A8F6E88ADF5E}" type="datetimeFigureOut">
               <a:rPr lang="en-US" smtClean="0"/>
-              <a:t>11/20/22</a:t>
+              <a:t>12/4/2022</a:t>
             </a:fld>
             <a:endParaRPr lang="en-US"/>
           </a:p>
@@ -4000,7 +4000,7 @@
           <a:p>
             <a:fld id="{5B07E745-2C70-2943-8487-A8F6E88ADF5E}" type="datetimeFigureOut">
               <a:rPr lang="en-US" smtClean="0"/>
-              <a:t>11/20/22</a:t>
+              <a:t>12/4/2022</a:t>
             </a:fld>
             <a:endParaRPr lang="en-US"/>
           </a:p>
@@ -6524,7 +6524,7 @@
           </a:ln>
           <a:extLst>
             <a:ext uri="{C572A759-6A51-4108-AA02-DFA0A04FC94B}">
-              <ma14:wrappingTextBoxFlag xmlns="" xmlns:ma14="http://schemas.microsoft.com/office/mac/drawingml/2011/main" val="1"/>
+              <ma14:wrappingTextBoxFlag xmlns:ma14="http://schemas.microsoft.com/office/mac/drawingml/2011/main" xmlns="" val="1"/>
             </a:ext>
           </a:extLst>
         </p:spPr>
@@ -6746,7 +6746,7 @@
               <a:effectLst/>
               <a:extLst>
                 <a:ext uri="{C572A759-6A51-4108-AA02-DFA0A04FC94B}">
-                  <ma14:wrappingTextBoxFlag xmlns="" xmlns:ma14="http://schemas.microsoft.com/office/mac/drawingml/2011/main" val="1"/>
+                  <ma14:wrappingTextBoxFlag xmlns:ma14="http://schemas.microsoft.com/office/mac/drawingml/2011/main" xmlns="" val="1"/>
                 </a:ext>
               </a:extLst>
             </p:spPr>
@@ -6925,7 +6925,7 @@
               <a:effectLst/>
               <a:extLst>
                 <a:ext uri="{C572A759-6A51-4108-AA02-DFA0A04FC94B}">
-                  <ma14:wrappingTextBoxFlag xmlns="" xmlns:ma14="http://schemas.microsoft.com/office/mac/drawingml/2011/main" val="1"/>
+                  <ma14:wrappingTextBoxFlag xmlns:ma14="http://schemas.microsoft.com/office/mac/drawingml/2011/main" xmlns="" val="1"/>
                 </a:ext>
               </a:extLst>
             </p:spPr>
@@ -7095,7 +7095,7 @@
               <a:effectLst/>
               <a:extLst>
                 <a:ext uri="{C572A759-6A51-4108-AA02-DFA0A04FC94B}">
-                  <ma14:wrappingTextBoxFlag xmlns="" xmlns:ma14="http://schemas.microsoft.com/office/mac/drawingml/2011/main" val="1"/>
+                  <ma14:wrappingTextBoxFlag xmlns:ma14="http://schemas.microsoft.com/office/mac/drawingml/2011/main" xmlns="" val="1"/>
                 </a:ext>
               </a:extLst>
             </p:spPr>
@@ -7283,7 +7283,7 @@
               <a:effectLst/>
               <a:extLst>
                 <a:ext uri="{C572A759-6A51-4108-AA02-DFA0A04FC94B}">
-                  <ma14:wrappingTextBoxFlag xmlns="" xmlns:ma14="http://schemas.microsoft.com/office/mac/drawingml/2011/main" val="1"/>
+                  <ma14:wrappingTextBoxFlag xmlns:ma14="http://schemas.microsoft.com/office/mac/drawingml/2011/main" xmlns="" val="1"/>
                 </a:ext>
               </a:extLst>
             </p:spPr>
@@ -7428,7 +7428,7 @@
             <a:effectLst/>
             <a:extLst>
               <a:ext uri="{C572A759-6A51-4108-AA02-DFA0A04FC94B}">
-                <ma14:wrappingTextBoxFlag xmlns="" xmlns:ma14="http://schemas.microsoft.com/office/mac/drawingml/2011/main" val="1"/>
+                <ma14:wrappingTextBoxFlag xmlns:ma14="http://schemas.microsoft.com/office/mac/drawingml/2011/main" xmlns="" val="1"/>
               </a:ext>
             </a:extLst>
           </p:spPr>
@@ -8278,21 +8278,6 @@
 </file>
 
 <file path=customXml/item1.xml><?xml version="1.0" encoding="utf-8"?>
-<p:properties xmlns:p="http://schemas.microsoft.com/office/2006/metadata/properties" xmlns:xsi="http://www.w3.org/2001/XMLSchema-instance" xmlns:pc="http://schemas.microsoft.com/office/infopath/2007/PartnerControls">
-  <documentManagement/>
-</p:properties>
-</file>
-
-<file path=customXml/item2.xml><?xml version="1.0" encoding="utf-8"?>
-<?mso-contentType ?>
-<FormTemplates xmlns="http://schemas.microsoft.com/sharepoint/v3/contenttype/forms">
-  <Display>DocumentLibraryForm</Display>
-  <Edit>DocumentLibraryForm</Edit>
-  <New>DocumentLibraryForm</New>
-</FormTemplates>
-</file>
-
-<file path=customXml/item3.xml><?xml version="1.0" encoding="utf-8"?>
 <ct:contentTypeSchema xmlns:ct="http://schemas.microsoft.com/office/2006/metadata/contentType" xmlns:ma="http://schemas.microsoft.com/office/2006/metadata/properties/metaAttributes" ct:_="" ma:_="" ma:contentTypeName="Document" ma:contentTypeID="0x0101004285D81DBE5F5A448E892B34D6B8CF20" ma:contentTypeVersion="2" ma:contentTypeDescription="Create a new document." ma:contentTypeScope="" ma:versionID="026ccaf10de5d9915dfa48c6db16b59b">
   <xsd:schema xmlns:xsd="http://www.w3.org/2001/XMLSchema" xmlns:xs="http://www.w3.org/2001/XMLSchema" xmlns:p="http://schemas.microsoft.com/office/2006/metadata/properties" xmlns:ns2="08600313-7276-4ca7-b5d3-7d86193ee0ac" targetNamespace="http://schemas.microsoft.com/office/2006/metadata/properties" ma:root="true" ma:fieldsID="c887e4ee215f388544e22a2030d7ea35" ns2:_="">
     <xsd:import namespace="08600313-7276-4ca7-b5d3-7d86193ee0ac"/>
@@ -8424,24 +8409,22 @@
 </ct:contentTypeSchema>
 </file>
 
-<file path=customXml/itemProps1.xml><?xml version="1.0" encoding="utf-8"?>
-<ds:datastoreItem xmlns:ds="http://schemas.openxmlformats.org/officeDocument/2006/customXml" ds:itemID="{4CB9D0C4-1816-48BB-B7D3-B65D006E1708}">
-  <ds:schemaRefs>
-    <ds:schemaRef ds:uri="http://schemas.microsoft.com/office/2006/metadata/properties"/>
-    <ds:schemaRef ds:uri="http://schemas.microsoft.com/office/infopath/2007/PartnerControls"/>
-  </ds:schemaRefs>
-</ds:datastoreItem>
+<file path=customXml/item2.xml><?xml version="1.0" encoding="utf-8"?>
+<?mso-contentType ?>
+<FormTemplates xmlns="http://schemas.microsoft.com/sharepoint/v3/contenttype/forms">
+  <Display>DocumentLibraryForm</Display>
+  <Edit>DocumentLibraryForm</Edit>
+  <New>DocumentLibraryForm</New>
+</FormTemplates>
 </file>
 
-<file path=customXml/itemProps2.xml><?xml version="1.0" encoding="utf-8"?>
-<ds:datastoreItem xmlns:ds="http://schemas.openxmlformats.org/officeDocument/2006/customXml" ds:itemID="{91B7F2D7-28F4-40DC-BF4D-A63582936AC7}">
-  <ds:schemaRefs>
-    <ds:schemaRef ds:uri="http://schemas.microsoft.com/sharepoint/v3/contenttype/forms"/>
-  </ds:schemaRefs>
-</ds:datastoreItem>
+<file path=customXml/item3.xml><?xml version="1.0" encoding="utf-8"?>
+<p:properties xmlns:p="http://schemas.microsoft.com/office/2006/metadata/properties" xmlns:xsi="http://www.w3.org/2001/XMLSchema-instance" xmlns:pc="http://schemas.microsoft.com/office/infopath/2007/PartnerControls">
+  <documentManagement/>
+</p:properties>
 </file>
 
-<file path=customXml/itemProps3.xml><?xml version="1.0" encoding="utf-8"?>
+<file path=customXml/itemProps1.xml><?xml version="1.0" encoding="utf-8"?>
 <ds:datastoreItem xmlns:ds="http://schemas.openxmlformats.org/officeDocument/2006/customXml" ds:itemID="{86AFFBF5-1744-4DD8-AF35-1BECDBB21948}">
   <ds:schemaRefs>
     <ds:schemaRef ds:uri="http://schemas.microsoft.com/office/2006/metadata/contentType"/>
@@ -8457,4 +8440,21 @@
     <ds:schemaRef ds:uri="http://schemas.microsoft.com/internal/obd"/>
   </ds:schemaRefs>
 </ds:datastoreItem>
+</file>
+
+<file path=customXml/itemProps2.xml><?xml version="1.0" encoding="utf-8"?>
+<ds:datastoreItem xmlns:ds="http://schemas.openxmlformats.org/officeDocument/2006/customXml" ds:itemID="{91B7F2D7-28F4-40DC-BF4D-A63582936AC7}">
+  <ds:schemaRefs>
+    <ds:schemaRef ds:uri="http://schemas.microsoft.com/sharepoint/v3/contenttype/forms"/>
+  </ds:schemaRefs>
+</ds:datastoreItem>
+</file>
+
+<file path=customXml/itemProps3.xml><?xml version="1.0" encoding="utf-8"?>
+<ds:datastoreItem xmlns:ds="http://schemas.openxmlformats.org/officeDocument/2006/customXml" ds:itemID="{4CB9D0C4-1816-48BB-B7D3-B65D006E1708}">
+  <ds:schemaRefs>
+    <ds:schemaRef ds:uri="http://schemas.microsoft.com/office/2006/metadata/properties"/>
+    <ds:schemaRef ds:uri="http://schemas.microsoft.com/office/infopath/2007/PartnerControls"/>
+  </ds:schemaRefs>
+</ds:datastoreItem>
 </file>
--- a/ClassMaterials/ObjectIntroAndMisc/Slides/Part3-ObjectIntro.pptx
+++ b/ClassMaterials/ObjectIntroAndMisc/Slides/Part3-ObjectIntro.pptx
@@ -5,7 +5,7 @@
     <p:sldMasterId id="2147483648" r:id="rId4"/>
   </p:sldMasterIdLst>
   <p:notesMasterIdLst>
-    <p:notesMasterId r:id="rId16"/>
+    <p:notesMasterId r:id="rId17"/>
   </p:notesMasterIdLst>
   <p:sldIdLst>
     <p:sldId id="256" r:id="rId5"/>
@@ -19,6 +19,7 @@
     <p:sldId id="296" r:id="rId13"/>
     <p:sldId id="309" r:id="rId14"/>
     <p:sldId id="327" r:id="rId15"/>
+    <p:sldId id="322" r:id="rId16"/>
   </p:sldIdLst>
   <p:sldSz cx="9144000" cy="6858000" type="screen4x3"/>
   <p:notesSz cx="6858000" cy="9144000"/>
@@ -543,6 +544,62 @@
 </pc:chgInfo>
 </file>
 
+<file path=ppt/ink/ink1.xml><?xml version="1.0" encoding="utf-8"?>
+<inkml:ink xmlns:inkml="http://www.w3.org/2003/InkML">
+  <inkml:definitions>
+    <inkml:context xml:id="ctx0">
+      <inkml:inkSource xml:id="inkSrc0">
+        <inkml:traceFormat>
+          <inkml:channel name="X" type="integer" min="-2.14748E9" max="2.14748E9" units="cm"/>
+          <inkml:channel name="Y" type="integer" min="-2.14748E9" max="2.14748E9" units="cm"/>
+          <inkml:channel name="F" type="integer" max="32767" units="dev"/>
+        </inkml:traceFormat>
+        <inkml:channelProperties>
+          <inkml:channelProperty channel="X" name="resolution" value="1000" units="1/cm"/>
+          <inkml:channelProperty channel="Y" name="resolution" value="1000" units="1/cm"/>
+          <inkml:channelProperty channel="F" name="resolution" value="0" units="1/dev"/>
+        </inkml:channelProperties>
+      </inkml:inkSource>
+      <inkml:timestamp xml:id="ts0" timeString="2022-12-05T00:03:36.019"/>
+    </inkml:context>
+    <inkml:brush xml:id="br0">
+      <inkml:brushProperty name="width" value="0.05" units="cm"/>
+      <inkml:brushProperty name="height" value="0.05" units="cm"/>
+      <inkml:brushProperty name="color" value="#E71224"/>
+    </inkml:brush>
+  </inkml:definitions>
+  <inkml:trace contextRef="#ctx0" brushRef="#br0">1 2 24575,'50'0'0,"78"-1"0,0 5 0,171 27 0,192 35 0,168-32 0,-596-28 0,92 20 0,-95-13 0,91 6 0,76-17 0,-123-4 0,126 15 0,-200-10 0,39 6 0,1 2 0,67 21 0,-95-21 0,0-2 0,1-2 0,72 3 0,136-12 0,-93-1 0,77 4 0,246-3 0,-404-3 0,-1-3 0,0-4 0,105-29 0,-109 24 0,1 4 0,106-5 0,-50 6 0,514-28 0,-558 39 0,117-16 0,-57 4 0,231 10 0,-184 6 0,1088-3 0,-1032 17 0,14 0 0,1058-19 0,-1110-14 0,7-2 0,-98 17-55,-33-1-600,126 13 0,-167-4-6171</inkml:trace>
+</inkml:ink>
+</file>
+
+<file path=ppt/ink/ink2.xml><?xml version="1.0" encoding="utf-8"?>
+<inkml:ink xmlns:inkml="http://www.w3.org/2003/InkML">
+  <inkml:definitions>
+    <inkml:context xml:id="ctx0">
+      <inkml:inkSource xml:id="inkSrc0">
+        <inkml:traceFormat>
+          <inkml:channel name="X" type="integer" min="-2.14748E9" max="2.14748E9" units="cm"/>
+          <inkml:channel name="Y" type="integer" min="-2.14748E9" max="2.14748E9" units="cm"/>
+          <inkml:channel name="F" type="integer" max="32767" units="dev"/>
+        </inkml:traceFormat>
+        <inkml:channelProperties>
+          <inkml:channelProperty channel="X" name="resolution" value="1000" units="1/cm"/>
+          <inkml:channelProperty channel="Y" name="resolution" value="1000" units="1/cm"/>
+          <inkml:channelProperty channel="F" name="resolution" value="0" units="1/dev"/>
+        </inkml:channelProperties>
+      </inkml:inkSource>
+      <inkml:timestamp xml:id="ts0" timeString="2022-12-05T00:04:01.813"/>
+    </inkml:context>
+    <inkml:brush xml:id="br0">
+      <inkml:brushProperty name="width" value="0.05" units="cm"/>
+      <inkml:brushProperty name="height" value="0.05" units="cm"/>
+      <inkml:brushProperty name="color" value="#E71224"/>
+    </inkml:brush>
+  </inkml:definitions>
+  <inkml:trace contextRef="#ctx0" brushRef="#br0">0 431 24575,'1'-9'0,"1"-1"0,0 1 0,0-1 0,1 1 0,0 0 0,1 0 0,0 0 0,0 0 0,1 1 0,0 0 0,0 0 0,10-11 0,4-5 0,2 2 0,37-33 0,-25 28 0,0 1 0,2 2 0,1 1 0,39-18 0,-51 30 0,1 1 0,0 1 0,1 1 0,0 1 0,0 1 0,1 1 0,38-1 0,291 6 0,-148 2 0,-169-1 0,0 1 0,0 3 0,0 1 0,56 16 0,-55-7 0,-2 2 0,0 1 0,-1 2 0,35 25 0,-34-21 0,0-1 0,2-2 0,63 24 0,-62-31 0,-2 1 0,0 1 0,0 3 0,-2 1 0,0 2 0,38 30 0,123 131 0,-96-82 0,-58-64 0,2-1 0,59 35 0,-62-44 0,0 2 0,-2 2 0,43 42 0,-40-28 0,60 80 0,-6 0 0,32 47 0,-101-126 0,177 249 0,-190-272 0,-1 0 0,0 1 0,13 34 0,-16-32 0,1-1 0,1 0 0,20 26 0,-3-13 0,-2 2 0,-2 2 0,24 48 0,214 474 0,-248-523 0,15 50 0,9 23 0,23 24 0,49 121 0,-25-54 0,-52-129 0,40 128 0,-49-121 0,43 87 0,-43-111 0,-2 2 0,-3 1 0,23 102 0,-31-77 0,33 156 0,85 186 0,-107-342 0,18 124 0,11 40 0,-29-150 0,-15-54 0,23 63 0,-16-63 0,-2 0 0,-3 1 0,-1 1 0,-2 0 0,3 98 0,-5-40 0,5 0 0,31 129 0,-18-110 0,60 231 0,-31-164 0,7 22 0,-42-145 0,-2 1 0,-3 1 0,8 144 0,-22-213 0,9 59 0,2-1 0,39 117 0,-5-20 0,-18-55 0,-11-48 0,-3 1 0,-2 0 0,8 110 0,-23 813 0,11-853 0,5-1 0,31 138 0,-36-228 0,25 164 0,-27-172 0,3 30 0,-7-54 0,-1 0 0,0-1 0,0 1 0,0-1 0,-1 1 0,1-1 0,-1 1 0,1-1 0,-1 1 0,0-1 0,0 0 0,0 1 0,0-1 0,0 0 0,-1 0 0,1 1 0,-3 2 0,3-5 0,0 1 0,0-1 0,0 1 0,0-1 0,0 1 0,-1-1 0,1 0 0,0 1 0,0-1 0,0 0 0,0 0 0,-1 0 0,1 0 0,0 0 0,0 0 0,0 0 0,-1-1 0,1 1 0,0 0 0,0 0 0,0-1 0,0 1 0,0-1 0,-2-1 0,-29-18 0,23 14 0,-71-51 0,-100-93 0,-28-21 0,232 191 0,0 1 0,25 30 0,8 7 0,-10-17 0,1-2 0,1-3 0,106 59 0,-144-89 0,-1-1 0,1 0 0,0-1 0,0 0 0,1 0 0,-1-1 0,1-1 0,13 1 0,-20-3 0,0 0 0,0 0 0,0-1 0,0 0 0,0 0 0,0 0 0,0 0 0,0-1 0,0 0 0,0 0 0,-1 0 0,1-1 0,-1 1 0,1-1 0,-1 0 0,0-1 0,0 1 0,0-1 0,-1 1 0,6-8 0,49-73 0,-42 59 0,1 0 0,2 1 0,34-36 0,-13 24 0,1 2 0,2 2 0,1 2 0,60-31 0,-85 50-455,0-1 0,32-28 0,-32 24-6371</inkml:trace>
+</inkml:ink>
+</file>
+
 <file path=ppt/notesMasters/notesMaster1.xml><?xml version="1.0" encoding="utf-8"?>
 <p:notesMaster xmlns:a="http://schemas.openxmlformats.org/drawingml/2006/main" xmlns:r="http://schemas.openxmlformats.org/officeDocument/2006/relationships" xmlns:p="http://schemas.openxmlformats.org/presentationml/2006/main">
   <p:cSld>
@@ -1399,6 +1456,67 @@
     <p:extLst>
       <p:ext uri="{BB962C8B-B14F-4D97-AF65-F5344CB8AC3E}">
         <p14:creationId xmlns:p14="http://schemas.microsoft.com/office/powerpoint/2010/main" val="1834661279"/>
+      </p:ext>
+    </p:extLst>
+  </p:cSld>
+  <p:clrMapOvr>
+    <a:masterClrMapping/>
+  </p:clrMapOvr>
+</p:notes>
+</file>
+
+<file path=ppt/notesSlides/notesSlide6.xml><?xml version="1.0" encoding="utf-8"?>
+<p:notes xmlns:a="http://schemas.openxmlformats.org/drawingml/2006/main" xmlns:r="http://schemas.openxmlformats.org/officeDocument/2006/relationships" xmlns:p="http://schemas.openxmlformats.org/presentationml/2006/main">
+  <p:cSld>
+    <p:spTree>
+      <p:nvGrpSpPr>
+        <p:cNvPr id="1" name=""/>
+        <p:cNvGrpSpPr/>
+        <p:nvPr/>
+      </p:nvGrpSpPr>
+      <p:grpSpPr>
+        <a:xfrm>
+          <a:off x="0" y="0"/>
+          <a:ext cx="0" cy="0"/>
+          <a:chOff x="0" y="0"/>
+          <a:chExt cx="0" cy="0"/>
+        </a:xfrm>
+      </p:grpSpPr>
+      <p:sp>
+        <p:nvSpPr>
+          <p:cNvPr id="2" name="Slide Image Placeholder 1"/>
+          <p:cNvSpPr>
+            <a:spLocks noGrp="1" noRot="1" noChangeAspect="1"/>
+          </p:cNvSpPr>
+          <p:nvPr>
+            <p:ph type="sldImg"/>
+          </p:nvPr>
+        </p:nvSpPr>
+        <p:spPr/>
+      </p:sp>
+      <p:sp>
+        <p:nvSpPr>
+          <p:cNvPr id="3" name="Notes Placeholder 2"/>
+          <p:cNvSpPr>
+            <a:spLocks noGrp="1"/>
+          </p:cNvSpPr>
+          <p:nvPr>
+            <p:ph type="body" idx="1"/>
+          </p:nvPr>
+        </p:nvSpPr>
+        <p:spPr/>
+        <p:txBody>
+          <a:bodyPr/>
+          <a:lstStyle/>
+          <a:p>
+            <a:endParaRPr lang="en-US" dirty="0"/>
+          </a:p>
+        </p:txBody>
+      </p:sp>
+    </p:spTree>
+    <p:extLst>
+      <p:ext uri="{BB962C8B-B14F-4D97-AF65-F5344CB8AC3E}">
+        <p14:creationId xmlns:p14="http://schemas.microsoft.com/office/powerpoint/2010/main" val="1739724047"/>
       </p:ext>
     </p:extLst>
   </p:cSld>
@@ -4540,7 +4658,7 @@
           <a:p>
             <a:r>
               <a:rPr lang="en-US" dirty="0"/>
-              <a:t>Practice</a:t>
+              <a:t>Additional Practice</a:t>
             </a:r>
           </a:p>
         </p:txBody>
@@ -4720,10 +4838,17 @@
           <a:lstStyle/>
           <a:p>
             <a:r>
-              <a:rPr lang="en-US"/>
-              <a:t>Now code the StudentGradebook class yourself</a:t>
-            </a:r>
-            <a:endParaRPr lang="en-US" dirty="0"/>
+              <a:rPr lang="en-US" dirty="0"/>
+              <a:t>Now code the </a:t>
+            </a:r>
+            <a:r>
+              <a:rPr lang="en-US" dirty="0" err="1"/>
+              <a:t>StudentGradebook</a:t>
+            </a:r>
+            <a:r>
+              <a:rPr lang="en-US" dirty="0"/>
+              <a:t> class yourself</a:t>
+            </a:r>
           </a:p>
         </p:txBody>
       </p:sp>
@@ -4819,6 +4944,582 @@
 </p:sld>
 </file>
 
+<file path=ppt/slides/slide12.xml><?xml version="1.0" encoding="utf-8"?>
+<p:sld xmlns:a="http://schemas.openxmlformats.org/drawingml/2006/main" xmlns:r="http://schemas.openxmlformats.org/officeDocument/2006/relationships" xmlns:p="http://schemas.openxmlformats.org/presentationml/2006/main">
+  <p:cSld>
+    <p:spTree>
+      <p:nvGrpSpPr>
+        <p:cNvPr id="1" name=""/>
+        <p:cNvGrpSpPr/>
+        <p:nvPr/>
+      </p:nvGrpSpPr>
+      <p:grpSpPr>
+        <a:xfrm>
+          <a:off x="0" y="0"/>
+          <a:ext cx="0" cy="0"/>
+          <a:chOff x="0" y="0"/>
+          <a:chExt cx="0" cy="0"/>
+        </a:xfrm>
+      </p:grpSpPr>
+      <p:sp>
+        <p:nvSpPr>
+          <p:cNvPr id="2" name="Title 1"/>
+          <p:cNvSpPr>
+            <a:spLocks noGrp="1"/>
+          </p:cNvSpPr>
+          <p:nvPr>
+            <p:ph type="title"/>
+          </p:nvPr>
+        </p:nvSpPr>
+        <p:spPr>
+          <a:xfrm>
+            <a:off x="457200" y="92077"/>
+            <a:ext cx="8229600" cy="1023492"/>
+          </a:xfrm>
+        </p:spPr>
+        <p:txBody>
+          <a:bodyPr>
+            <a:normAutofit/>
+          </a:bodyPr>
+          <a:lstStyle/>
+          <a:p>
+            <a:r>
+              <a:rPr lang="en-US" dirty="0">
+                <a:latin typeface="Arial" panose="020B0604020202020204" pitchFamily="34" charset="0"/>
+                <a:cs typeface="Arial" panose="020B0604020202020204" pitchFamily="34" charset="0"/>
+              </a:rPr>
+              <a:t>Terminology Review</a:t>
+            </a:r>
+          </a:p>
+        </p:txBody>
+      </p:sp>
+      <p:sp>
+        <p:nvSpPr>
+          <p:cNvPr id="11" name="Slide Number Placeholder 10">
+            <a:extLst>
+              <a:ext uri="{FF2B5EF4-FFF2-40B4-BE49-F238E27FC236}">
+                <a16:creationId xmlns:a16="http://schemas.microsoft.com/office/drawing/2014/main" id="{D5DE743B-EE8E-314A-864F-CCBBB7B62BB2}"/>
+              </a:ext>
+            </a:extLst>
+          </p:cNvPr>
+          <p:cNvSpPr>
+            <a:spLocks noGrp="1"/>
+          </p:cNvSpPr>
+          <p:nvPr>
+            <p:ph type="sldNum" sz="quarter" idx="2"/>
+          </p:nvPr>
+        </p:nvSpPr>
+        <p:spPr>
+          <a:xfrm>
+            <a:off x="6553200" y="6406785"/>
+            <a:ext cx="2133600" cy="264255"/>
+          </a:xfrm>
+          <a:prstGeom prst="rect">
+            <a:avLst/>
+          </a:prstGeom>
+          <a:ln w="12700">
+            <a:miter lim="400000"/>
+          </a:ln>
+        </p:spPr>
+        <p:txBody>
+          <a:bodyPr lIns="45719" rIns="45719" anchor="ctr">
+            <a:spAutoFit/>
+          </a:bodyPr>
+          <a:lstStyle>
+            <a:lvl1pPr algn="r">
+              <a:defRPr sz="1200">
+                <a:solidFill>
+                  <a:srgbClr val="888888"/>
+                </a:solidFill>
+                <a:latin typeface="Arial"/>
+                <a:ea typeface="Arial"/>
+                <a:cs typeface="Arial"/>
+                <a:sym typeface="Arial"/>
+              </a:defRPr>
+            </a:lvl1pPr>
+            <a:lvl2pPr indent="457200">
+              <a:defRPr>
+                <a:latin typeface="Calibri"/>
+                <a:ea typeface="Calibri"/>
+                <a:cs typeface="Calibri"/>
+                <a:sym typeface="Calibri"/>
+              </a:defRPr>
+            </a:lvl2pPr>
+            <a:lvl3pPr indent="914400">
+              <a:defRPr>
+                <a:latin typeface="Calibri"/>
+                <a:ea typeface="Calibri"/>
+                <a:cs typeface="Calibri"/>
+                <a:sym typeface="Calibri"/>
+              </a:defRPr>
+            </a:lvl3pPr>
+            <a:lvl4pPr indent="1371600">
+              <a:defRPr>
+                <a:latin typeface="Calibri"/>
+                <a:ea typeface="Calibri"/>
+                <a:cs typeface="Calibri"/>
+                <a:sym typeface="Calibri"/>
+              </a:defRPr>
+            </a:lvl4pPr>
+            <a:lvl5pPr indent="1828800">
+              <a:defRPr>
+                <a:latin typeface="Calibri"/>
+                <a:ea typeface="Calibri"/>
+                <a:cs typeface="Calibri"/>
+                <a:sym typeface="Calibri"/>
+              </a:defRPr>
+            </a:lvl5pPr>
+            <a:lvl6pPr indent="2286000">
+              <a:defRPr>
+                <a:latin typeface="Calibri"/>
+                <a:ea typeface="Calibri"/>
+                <a:cs typeface="Calibri"/>
+                <a:sym typeface="Calibri"/>
+              </a:defRPr>
+            </a:lvl6pPr>
+            <a:lvl7pPr indent="2743200">
+              <a:defRPr>
+                <a:latin typeface="Calibri"/>
+                <a:ea typeface="Calibri"/>
+                <a:cs typeface="Calibri"/>
+                <a:sym typeface="Calibri"/>
+              </a:defRPr>
+            </a:lvl7pPr>
+            <a:lvl8pPr indent="3200400">
+              <a:defRPr>
+                <a:latin typeface="Calibri"/>
+                <a:ea typeface="Calibri"/>
+                <a:cs typeface="Calibri"/>
+                <a:sym typeface="Calibri"/>
+              </a:defRPr>
+            </a:lvl8pPr>
+            <a:lvl9pPr indent="3657600">
+              <a:defRPr>
+                <a:latin typeface="Calibri"/>
+                <a:ea typeface="Calibri"/>
+                <a:cs typeface="Calibri"/>
+                <a:sym typeface="Calibri"/>
+              </a:defRPr>
+            </a:lvl9pPr>
+          </a:lstStyle>
+          <a:p>
+            <a:pPr lvl="0"/>
+            <a:fld id="{86CB4B4D-7CA3-9044-876B-883B54F8677D}" type="slidenum">
+              <a:rPr lang="en-US" smtClean="0"/>
+              <a:pPr lvl="0"/>
+              <a:t>12</a:t>
+            </a:fld>
+            <a:endParaRPr lang="en-US"/>
+          </a:p>
+        </p:txBody>
+      </p:sp>
+      <p:sp>
+        <p:nvSpPr>
+          <p:cNvPr id="13" name="TextBox 12">
+            <a:extLst>
+              <a:ext uri="{FF2B5EF4-FFF2-40B4-BE49-F238E27FC236}">
+                <a16:creationId xmlns:a16="http://schemas.microsoft.com/office/drawing/2014/main" id="{1A5A6E4F-24C4-6843-A618-4DE7697FCC83}"/>
+              </a:ext>
+            </a:extLst>
+          </p:cNvPr>
+          <p:cNvSpPr txBox="1"/>
+          <p:nvPr/>
+        </p:nvSpPr>
+        <p:spPr>
+          <a:xfrm>
+            <a:off x="309468" y="1386348"/>
+            <a:ext cx="8525064" cy="4478992"/>
+          </a:xfrm>
+          <a:prstGeom prst="rect">
+            <a:avLst/>
+          </a:prstGeom>
+          <a:noFill/>
+        </p:spPr>
+        <p:txBody>
+          <a:bodyPr wrap="square" rtlCol="0">
+            <a:normAutofit/>
+          </a:bodyPr>
+          <a:lstStyle/>
+          <a:p>
+            <a:pPr marL="342900" indent="-342900">
+              <a:spcAft>
+                <a:spcPts val="400"/>
+              </a:spcAft>
+              <a:buFont typeface="Arial" panose="020B0604020202020204" pitchFamily="34" charset="0"/>
+              <a:buChar char="•"/>
+            </a:pPr>
+            <a:r>
+              <a:rPr lang="en-US" i="1" dirty="0">
+                <a:highlight>
+                  <a:srgbClr val="FFFF00"/>
+                </a:highlight>
+                <a:latin typeface="Times New Roman" panose="02020603050405020304" pitchFamily="18" charset="0"/>
+                <a:cs typeface="Times New Roman" panose="02020603050405020304" pitchFamily="18" charset="0"/>
+              </a:rPr>
+              <a:t>client</a:t>
+            </a:r>
+            <a:r>
+              <a:rPr lang="en-US" dirty="0">
+                <a:latin typeface="Times New Roman" panose="02020603050405020304" pitchFamily="18" charset="0"/>
+                <a:cs typeface="Times New Roman" panose="02020603050405020304" pitchFamily="18" charset="0"/>
+              </a:rPr>
+              <a:t> –  uses the services of a primitive type or class by declaring variables from these types and then calling operations to manipulate these variables</a:t>
+            </a:r>
+          </a:p>
+          <a:p>
+            <a:pPr marL="342900" indent="-342900">
+              <a:spcAft>
+                <a:spcPts val="400"/>
+              </a:spcAft>
+              <a:buFont typeface="Arial" panose="020B0604020202020204" pitchFamily="34" charset="0"/>
+              <a:buChar char="•"/>
+            </a:pPr>
+            <a:r>
+              <a:rPr lang="en-US" i="1" dirty="0">
+                <a:latin typeface="Times New Roman" panose="02020603050405020304" pitchFamily="18" charset="0"/>
+                <a:cs typeface="Times New Roman" panose="02020603050405020304" pitchFamily="18" charset="0"/>
+              </a:rPr>
+              <a:t>object</a:t>
+            </a:r>
+            <a:r>
+              <a:rPr lang="en-US" dirty="0">
+                <a:latin typeface="Times New Roman" panose="02020603050405020304" pitchFamily="18" charset="0"/>
+                <a:cs typeface="Times New Roman" panose="02020603050405020304" pitchFamily="18" charset="0"/>
+              </a:rPr>
+              <a:t> – a variable that stores a reference to an object instance</a:t>
+            </a:r>
+          </a:p>
+          <a:p>
+            <a:pPr marL="342900" indent="-342900">
+              <a:spcAft>
+                <a:spcPts val="400"/>
+              </a:spcAft>
+              <a:buFont typeface="Arial" panose="020B0604020202020204" pitchFamily="34" charset="0"/>
+              <a:buChar char="•"/>
+            </a:pPr>
+            <a:r>
+              <a:rPr lang="en-US" dirty="0">
+                <a:latin typeface="Times New Roman" panose="02020603050405020304" pitchFamily="18" charset="0"/>
+                <a:cs typeface="Times New Roman" panose="02020603050405020304" pitchFamily="18" charset="0"/>
+              </a:rPr>
+              <a:t>primitive type – </a:t>
+            </a:r>
+            <a:r>
+              <a:rPr lang="en-US" sz="1600" dirty="0" err="1">
+                <a:latin typeface="Courier New" panose="02070309020205020404" pitchFamily="49" charset="0"/>
+                <a:cs typeface="Courier New" panose="02070309020205020404" pitchFamily="49" charset="0"/>
+              </a:rPr>
+              <a:t>boolean</a:t>
+            </a:r>
+            <a:r>
+              <a:rPr lang="en-US" dirty="0">
+                <a:latin typeface="Times New Roman" panose="02020603050405020304" pitchFamily="18" charset="0"/>
+                <a:cs typeface="Times New Roman" panose="02020603050405020304" pitchFamily="18" charset="0"/>
+              </a:rPr>
+              <a:t>, </a:t>
+            </a:r>
+            <a:r>
+              <a:rPr lang="en-US" sz="1600" dirty="0">
+                <a:latin typeface="Courier New" panose="02070309020205020404" pitchFamily="49" charset="0"/>
+                <a:cs typeface="Courier New" panose="02070309020205020404" pitchFamily="49" charset="0"/>
+              </a:rPr>
+              <a:t>byte</a:t>
+            </a:r>
+            <a:r>
+              <a:rPr lang="en-US" dirty="0">
+                <a:latin typeface="Times New Roman" panose="02020603050405020304" pitchFamily="18" charset="0"/>
+                <a:cs typeface="Times New Roman" panose="02020603050405020304" pitchFamily="18" charset="0"/>
+              </a:rPr>
+              <a:t>, </a:t>
+            </a:r>
+            <a:r>
+              <a:rPr lang="en-US" sz="1600" dirty="0">
+                <a:latin typeface="Courier New" panose="02070309020205020404" pitchFamily="49" charset="0"/>
+                <a:cs typeface="Courier New" panose="02070309020205020404" pitchFamily="49" charset="0"/>
+              </a:rPr>
+              <a:t>character</a:t>
+            </a:r>
+            <a:r>
+              <a:rPr lang="en-US" dirty="0">
+                <a:latin typeface="Times New Roman" panose="02020603050405020304" pitchFamily="18" charset="0"/>
+                <a:cs typeface="Times New Roman" panose="02020603050405020304" pitchFamily="18" charset="0"/>
+              </a:rPr>
+              <a:t>, </a:t>
+            </a:r>
+            <a:r>
+              <a:rPr lang="en-US" sz="1600" dirty="0">
+                <a:latin typeface="Courier New" panose="02070309020205020404" pitchFamily="49" charset="0"/>
+                <a:cs typeface="Courier New" panose="02070309020205020404" pitchFamily="49" charset="0"/>
+              </a:rPr>
+              <a:t>short</a:t>
+            </a:r>
+            <a:r>
+              <a:rPr lang="en-US" dirty="0">
+                <a:latin typeface="Times New Roman" panose="02020603050405020304" pitchFamily="18" charset="0"/>
+                <a:cs typeface="Times New Roman" panose="02020603050405020304" pitchFamily="18" charset="0"/>
+              </a:rPr>
+              <a:t>, </a:t>
+            </a:r>
+            <a:r>
+              <a:rPr lang="en-US" sz="1600" dirty="0">
+                <a:latin typeface="Courier New" panose="02070309020205020404" pitchFamily="49" charset="0"/>
+                <a:cs typeface="Courier New" panose="02070309020205020404" pitchFamily="49" charset="0"/>
+              </a:rPr>
+              <a:t>int</a:t>
+            </a:r>
+            <a:r>
+              <a:rPr lang="en-US" dirty="0">
+                <a:latin typeface="Times New Roman" panose="02020603050405020304" pitchFamily="18" charset="0"/>
+                <a:cs typeface="Times New Roman" panose="02020603050405020304" pitchFamily="18" charset="0"/>
+              </a:rPr>
+              <a:t>, </a:t>
+            </a:r>
+            <a:r>
+              <a:rPr lang="en-US" sz="1600" dirty="0">
+                <a:latin typeface="Courier New" panose="02070309020205020404" pitchFamily="49" charset="0"/>
+                <a:cs typeface="Courier New" panose="02070309020205020404" pitchFamily="49" charset="0"/>
+              </a:rPr>
+              <a:t>float</a:t>
+            </a:r>
+            <a:r>
+              <a:rPr lang="en-US" dirty="0">
+                <a:latin typeface="Times New Roman" panose="02020603050405020304" pitchFamily="18" charset="0"/>
+                <a:cs typeface="Times New Roman" panose="02020603050405020304" pitchFamily="18" charset="0"/>
+              </a:rPr>
+              <a:t>, </a:t>
+            </a:r>
+            <a:r>
+              <a:rPr lang="en-US" sz="1600" dirty="0">
+                <a:latin typeface="Courier New" panose="02070309020205020404" pitchFamily="49" charset="0"/>
+                <a:cs typeface="Courier New" panose="02070309020205020404" pitchFamily="49" charset="0"/>
+              </a:rPr>
+              <a:t>double</a:t>
+            </a:r>
+            <a:br>
+              <a:rPr lang="en-US" sz="1600" dirty="0">
+                <a:latin typeface="Times New Roman" panose="02020603050405020304" pitchFamily="18" charset="0"/>
+                <a:cs typeface="Times New Roman" panose="02020603050405020304" pitchFamily="18" charset="0"/>
+              </a:rPr>
+            </a:br>
+            <a:r>
+              <a:rPr lang="en-US" dirty="0">
+                <a:latin typeface="Times New Roman" panose="02020603050405020304" pitchFamily="18" charset="0"/>
+                <a:cs typeface="Times New Roman" panose="02020603050405020304" pitchFamily="18" charset="0"/>
+              </a:rPr>
+              <a:t>variables of these these types are not objects in Java</a:t>
+            </a:r>
+          </a:p>
+          <a:p>
+            <a:pPr marL="342900" indent="-342900">
+              <a:spcAft>
+                <a:spcPts val="400"/>
+              </a:spcAft>
+              <a:buFont typeface="Arial" panose="020B0604020202020204" pitchFamily="34" charset="0"/>
+              <a:buChar char="•"/>
+            </a:pPr>
+            <a:r>
+              <a:rPr lang="en-US" i="1" dirty="0">
+                <a:latin typeface="Times New Roman" panose="02020603050405020304" pitchFamily="18" charset="0"/>
+                <a:cs typeface="Times New Roman" panose="02020603050405020304" pitchFamily="18" charset="0"/>
+              </a:rPr>
+              <a:t>variable</a:t>
+            </a:r>
+            <a:r>
+              <a:rPr lang="en-US" dirty="0">
+                <a:latin typeface="Times New Roman" panose="02020603050405020304" pitchFamily="18" charset="0"/>
+                <a:cs typeface="Times New Roman" panose="02020603050405020304" pitchFamily="18" charset="0"/>
+              </a:rPr>
+              <a:t> – stores either primitive data (e.g., from type </a:t>
+            </a:r>
+            <a:r>
+              <a:rPr lang="en-US" sz="1600" dirty="0">
+                <a:latin typeface="Courier New" panose="02070309020205020404" pitchFamily="49" charset="0"/>
+                <a:cs typeface="Courier New" panose="02070309020205020404" pitchFamily="49" charset="0"/>
+              </a:rPr>
+              <a:t>int</a:t>
+            </a:r>
+            <a:r>
+              <a:rPr lang="en-US" dirty="0">
+                <a:latin typeface="Times New Roman" panose="02020603050405020304" pitchFamily="18" charset="0"/>
+                <a:cs typeface="Times New Roman" panose="02020603050405020304" pitchFamily="18" charset="0"/>
+              </a:rPr>
+              <a:t>) or reference data (i.e., a reference to an object instance)</a:t>
+            </a:r>
+          </a:p>
+          <a:p>
+            <a:pPr marL="342900" indent="-342900">
+              <a:spcAft>
+                <a:spcPts val="400"/>
+              </a:spcAft>
+              <a:buFont typeface="Arial" panose="020B0604020202020204" pitchFamily="34" charset="0"/>
+              <a:buChar char="•"/>
+            </a:pPr>
+            <a:r>
+              <a:rPr lang="en-US" dirty="0">
+                <a:latin typeface="Times New Roman" panose="02020603050405020304" pitchFamily="18" charset="0"/>
+                <a:cs typeface="Times New Roman" panose="02020603050405020304" pitchFamily="18" charset="0"/>
+              </a:rPr>
+              <a:t>wrapper class – a built-in Java class that turns a Java primitive type into an object version of the primitive type, e.g., Integer wrapper class is an object version of the primitive type </a:t>
+            </a:r>
+            <a:r>
+              <a:rPr lang="en-US" sz="1600" dirty="0">
+                <a:latin typeface="Courier New" panose="02070309020205020404" pitchFamily="49" charset="0"/>
+                <a:cs typeface="Courier New" panose="02070309020205020404" pitchFamily="49" charset="0"/>
+              </a:rPr>
+              <a:t>int</a:t>
+            </a:r>
+            <a:endParaRPr lang="en-US" sz="1600" dirty="0">
+              <a:latin typeface="Times New Roman" panose="02020603050405020304" pitchFamily="18" charset="0"/>
+              <a:cs typeface="Times New Roman" panose="02020603050405020304" pitchFamily="18" charset="0"/>
+            </a:endParaRPr>
+          </a:p>
+        </p:txBody>
+      </p:sp>
+      <p:pic>
+        <p:nvPicPr>
+          <p:cNvPr id="4" name="Picture 3">
+            <a:extLst>
+              <a:ext uri="{FF2B5EF4-FFF2-40B4-BE49-F238E27FC236}">
+                <a16:creationId xmlns:a16="http://schemas.microsoft.com/office/drawing/2014/main" id="{F1354897-F98E-4ED6-55C9-F94EE209A92A}"/>
+              </a:ext>
+            </a:extLst>
+          </p:cNvPr>
+          <p:cNvPicPr>
+            <a:picLocks noChangeAspect="1"/>
+          </p:cNvPicPr>
+          <p:nvPr/>
+        </p:nvPicPr>
+        <p:blipFill>
+          <a:blip r:embed="rId3"/>
+          <a:stretch>
+            <a:fillRect/>
+          </a:stretch>
+        </p:blipFill>
+        <p:spPr>
+          <a:xfrm>
+            <a:off x="142503" y="4845137"/>
+            <a:ext cx="8075221" cy="1421021"/>
+          </a:xfrm>
+          <a:prstGeom prst="rect">
+            <a:avLst/>
+          </a:prstGeom>
+        </p:spPr>
+      </p:pic>
+      <mc:AlternateContent xmlns:mc="http://schemas.openxmlformats.org/markup-compatibility/2006">
+        <mc:Choice xmlns:p14="http://schemas.microsoft.com/office/powerpoint/2010/main" Requires="p14">
+          <p:contentPart p14:bwMode="auto" r:id="rId4">
+            <p14:nvContentPartPr>
+              <p14:cNvPr id="5" name="Ink 4">
+                <a:extLst>
+                  <a:ext uri="{FF2B5EF4-FFF2-40B4-BE49-F238E27FC236}">
+                    <a16:creationId xmlns:a16="http://schemas.microsoft.com/office/drawing/2014/main" id="{058DE7B3-6FB7-6120-DF37-824F16F019A5}"/>
+                  </a:ext>
+                </a:extLst>
+              </p14:cNvPr>
+              <p14:cNvContentPartPr/>
+              <p14:nvPr/>
+            </p14:nvContentPartPr>
+            <p14:xfrm>
+              <a:off x="1567253" y="1697110"/>
+              <a:ext cx="3933000" cy="110160"/>
+            </p14:xfrm>
+          </p:contentPart>
+        </mc:Choice>
+        <mc:Fallback>
+          <p:pic>
+            <p:nvPicPr>
+              <p:cNvPr id="5" name="Ink 4">
+                <a:extLst>
+                  <a:ext uri="{FF2B5EF4-FFF2-40B4-BE49-F238E27FC236}">
+                    <a16:creationId xmlns:a16="http://schemas.microsoft.com/office/drawing/2014/main" id="{058DE7B3-6FB7-6120-DF37-824F16F019A5}"/>
+                  </a:ext>
+                </a:extLst>
+              </p:cNvPr>
+              <p:cNvPicPr/>
+              <p:nvPr/>
+            </p:nvPicPr>
+            <p:blipFill>
+              <a:blip r:embed="rId5"/>
+              <a:stretch>
+                <a:fillRect/>
+              </a:stretch>
+            </p:blipFill>
+            <p:spPr>
+              <a:xfrm>
+                <a:off x="1558613" y="1688470"/>
+                <a:ext cx="3950640" cy="127800"/>
+              </a:xfrm>
+              <a:prstGeom prst="rect">
+                <a:avLst/>
+              </a:prstGeom>
+            </p:spPr>
+          </p:pic>
+        </mc:Fallback>
+      </mc:AlternateContent>
+      <mc:AlternateContent xmlns:mc="http://schemas.openxmlformats.org/markup-compatibility/2006">
+        <mc:Choice xmlns:p14="http://schemas.microsoft.com/office/powerpoint/2010/main" Requires="p14">
+          <p:contentPart p14:bwMode="auto" r:id="rId6">
+            <p14:nvContentPartPr>
+              <p14:cNvPr id="7" name="Ink 6">
+                <a:extLst>
+                  <a:ext uri="{FF2B5EF4-FFF2-40B4-BE49-F238E27FC236}">
+                    <a16:creationId xmlns:a16="http://schemas.microsoft.com/office/drawing/2014/main" id="{01B2F43A-B4A1-BB82-3E79-23732C54DDAC}"/>
+                  </a:ext>
+                </a:extLst>
+              </p14:cNvPr>
+              <p14:cNvContentPartPr/>
+              <p14:nvPr/>
+            </p14:nvContentPartPr>
+            <p14:xfrm>
+              <a:off x="5390813" y="1328830"/>
+              <a:ext cx="2344680" cy="3981600"/>
+            </p14:xfrm>
+          </p:contentPart>
+        </mc:Choice>
+        <mc:Fallback>
+          <p:pic>
+            <p:nvPicPr>
+              <p:cNvPr id="7" name="Ink 6">
+                <a:extLst>
+                  <a:ext uri="{FF2B5EF4-FFF2-40B4-BE49-F238E27FC236}">
+                    <a16:creationId xmlns:a16="http://schemas.microsoft.com/office/drawing/2014/main" id="{01B2F43A-B4A1-BB82-3E79-23732C54DDAC}"/>
+                  </a:ext>
+                </a:extLst>
+              </p:cNvPr>
+              <p:cNvPicPr/>
+              <p:nvPr/>
+            </p:nvPicPr>
+            <p:blipFill>
+              <a:blip r:embed="rId7"/>
+              <a:stretch>
+                <a:fillRect/>
+              </a:stretch>
+            </p:blipFill>
+            <p:spPr>
+              <a:xfrm>
+                <a:off x="5381813" y="1320190"/>
+                <a:ext cx="2362320" cy="3999240"/>
+              </a:xfrm>
+              <a:prstGeom prst="rect">
+                <a:avLst/>
+              </a:prstGeom>
+            </p:spPr>
+          </p:pic>
+        </mc:Fallback>
+      </mc:AlternateContent>
+    </p:spTree>
+    <p:extLst>
+      <p:ext uri="{BB962C8B-B14F-4D97-AF65-F5344CB8AC3E}">
+        <p14:creationId xmlns:p14="http://schemas.microsoft.com/office/powerpoint/2010/main" val="2020023784"/>
+      </p:ext>
+    </p:extLst>
+  </p:cSld>
+  <p:clrMapOvr>
+    <a:masterClrMapping/>
+  </p:clrMapOvr>
+</p:sld>
+</file>
+
 <file path=ppt/slides/slide2.xml><?xml version="1.0" encoding="utf-8"?>
 <p:sld xmlns:a="http://schemas.openxmlformats.org/drawingml/2006/main" xmlns:r="http://schemas.openxmlformats.org/officeDocument/2006/relationships" xmlns:p="http://schemas.openxmlformats.org/presentationml/2006/main">
   <p:cSld>
@@ -6524,7 +7225,7 @@
           </a:ln>
           <a:extLst>
             <a:ext uri="{C572A759-6A51-4108-AA02-DFA0A04FC94B}">
-              <ma14:wrappingTextBoxFlag xmlns:ma14="http://schemas.microsoft.com/office/mac/drawingml/2011/main" xmlns="" val="1"/>
+              <ma14:wrappingTextBoxFlag xmlns="" xmlns:ma14="http://schemas.microsoft.com/office/mac/drawingml/2011/main" val="1"/>
             </a:ext>
           </a:extLst>
         </p:spPr>
@@ -6746,7 +7447,7 @@
               <a:effectLst/>
               <a:extLst>
                 <a:ext uri="{C572A759-6A51-4108-AA02-DFA0A04FC94B}">
-                  <ma14:wrappingTextBoxFlag xmlns:ma14="http://schemas.microsoft.com/office/mac/drawingml/2011/main" xmlns="" val="1"/>
+                  <ma14:wrappingTextBoxFlag xmlns="" xmlns:ma14="http://schemas.microsoft.com/office/mac/drawingml/2011/main" val="1"/>
                 </a:ext>
               </a:extLst>
             </p:spPr>
@@ -6925,7 +7626,7 @@
               <a:effectLst/>
               <a:extLst>
                 <a:ext uri="{C572A759-6A51-4108-AA02-DFA0A04FC94B}">
-                  <ma14:wrappingTextBoxFlag xmlns:ma14="http://schemas.microsoft.com/office/mac/drawingml/2011/main" xmlns="" val="1"/>
+                  <ma14:wrappingTextBoxFlag xmlns="" xmlns:ma14="http://schemas.microsoft.com/office/mac/drawingml/2011/main" val="1"/>
                 </a:ext>
               </a:extLst>
             </p:spPr>
@@ -7095,7 +7796,7 @@
               <a:effectLst/>
               <a:extLst>
                 <a:ext uri="{C572A759-6A51-4108-AA02-DFA0A04FC94B}">
-                  <ma14:wrappingTextBoxFlag xmlns:ma14="http://schemas.microsoft.com/office/mac/drawingml/2011/main" xmlns="" val="1"/>
+                  <ma14:wrappingTextBoxFlag xmlns="" xmlns:ma14="http://schemas.microsoft.com/office/mac/drawingml/2011/main" val="1"/>
                 </a:ext>
               </a:extLst>
             </p:spPr>
@@ -7283,7 +7984,7 @@
               <a:effectLst/>
               <a:extLst>
                 <a:ext uri="{C572A759-6A51-4108-AA02-DFA0A04FC94B}">
-                  <ma14:wrappingTextBoxFlag xmlns:ma14="http://schemas.microsoft.com/office/mac/drawingml/2011/main" xmlns="" val="1"/>
+                  <ma14:wrappingTextBoxFlag xmlns="" xmlns:ma14="http://schemas.microsoft.com/office/mac/drawingml/2011/main" val="1"/>
                 </a:ext>
               </a:extLst>
             </p:spPr>
@@ -7428,7 +8129,7 @@
             <a:effectLst/>
             <a:extLst>
               <a:ext uri="{C572A759-6A51-4108-AA02-DFA0A04FC94B}">
-                <ma14:wrappingTextBoxFlag xmlns:ma14="http://schemas.microsoft.com/office/mac/drawingml/2011/main" xmlns="" val="1"/>
+                <ma14:wrappingTextBoxFlag xmlns="" xmlns:ma14="http://schemas.microsoft.com/office/mac/drawingml/2011/main" val="1"/>
               </a:ext>
             </a:extLst>
           </p:spPr>
@@ -8278,6 +8979,15 @@
 </file>
 
 <file path=customXml/item1.xml><?xml version="1.0" encoding="utf-8"?>
+<?mso-contentType ?>
+<FormTemplates xmlns="http://schemas.microsoft.com/sharepoint/v3/contenttype/forms">
+  <Display>DocumentLibraryForm</Display>
+  <Edit>DocumentLibraryForm</Edit>
+  <New>DocumentLibraryForm</New>
+</FormTemplates>
+</file>
+
+<file path=customXml/item2.xml><?xml version="1.0" encoding="utf-8"?>
 <ct:contentTypeSchema xmlns:ct="http://schemas.microsoft.com/office/2006/metadata/contentType" xmlns:ma="http://schemas.microsoft.com/office/2006/metadata/properties/metaAttributes" ct:_="" ma:_="" ma:contentTypeName="Document" ma:contentTypeID="0x0101004285D81DBE5F5A448E892B34D6B8CF20" ma:contentTypeVersion="2" ma:contentTypeDescription="Create a new document." ma:contentTypeScope="" ma:versionID="026ccaf10de5d9915dfa48c6db16b59b">
   <xsd:schema xmlns:xsd="http://www.w3.org/2001/XMLSchema" xmlns:xs="http://www.w3.org/2001/XMLSchema" xmlns:p="http://schemas.microsoft.com/office/2006/metadata/properties" xmlns:ns2="08600313-7276-4ca7-b5d3-7d86193ee0ac" targetNamespace="http://schemas.microsoft.com/office/2006/metadata/properties" ma:root="true" ma:fieldsID="c887e4ee215f388544e22a2030d7ea35" ns2:_="">
     <xsd:import namespace="08600313-7276-4ca7-b5d3-7d86193ee0ac"/>
@@ -8409,15 +9119,6 @@
 </ct:contentTypeSchema>
 </file>
 
-<file path=customXml/item2.xml><?xml version="1.0" encoding="utf-8"?>
-<?mso-contentType ?>
-<FormTemplates xmlns="http://schemas.microsoft.com/sharepoint/v3/contenttype/forms">
-  <Display>DocumentLibraryForm</Display>
-  <Edit>DocumentLibraryForm</Edit>
-  <New>DocumentLibraryForm</New>
-</FormTemplates>
-</file>
-
 <file path=customXml/item3.xml><?xml version="1.0" encoding="utf-8"?>
 <p:properties xmlns:p="http://schemas.microsoft.com/office/2006/metadata/properties" xmlns:xsi="http://www.w3.org/2001/XMLSchema-instance" xmlns:pc="http://schemas.microsoft.com/office/infopath/2007/PartnerControls">
   <documentManagement/>
@@ -8425,6 +9126,14 @@
 </file>
 
 <file path=customXml/itemProps1.xml><?xml version="1.0" encoding="utf-8"?>
+<ds:datastoreItem xmlns:ds="http://schemas.openxmlformats.org/officeDocument/2006/customXml" ds:itemID="{91B7F2D7-28F4-40DC-BF4D-A63582936AC7}">
+  <ds:schemaRefs>
+    <ds:schemaRef ds:uri="http://schemas.microsoft.com/sharepoint/v3/contenttype/forms"/>
+  </ds:schemaRefs>
+</ds:datastoreItem>
+</file>
+
+<file path=customXml/itemProps2.xml><?xml version="1.0" encoding="utf-8"?>
 <ds:datastoreItem xmlns:ds="http://schemas.openxmlformats.org/officeDocument/2006/customXml" ds:itemID="{86AFFBF5-1744-4DD8-AF35-1BECDBB21948}">
   <ds:schemaRefs>
     <ds:schemaRef ds:uri="http://schemas.microsoft.com/office/2006/metadata/contentType"/>
@@ -8442,14 +9151,6 @@
 </ds:datastoreItem>
 </file>
 
-<file path=customXml/itemProps2.xml><?xml version="1.0" encoding="utf-8"?>
-<ds:datastoreItem xmlns:ds="http://schemas.openxmlformats.org/officeDocument/2006/customXml" ds:itemID="{91B7F2D7-28F4-40DC-BF4D-A63582936AC7}">
-  <ds:schemaRefs>
-    <ds:schemaRef ds:uri="http://schemas.microsoft.com/sharepoint/v3/contenttype/forms"/>
-  </ds:schemaRefs>
-</ds:datastoreItem>
-</file>
-
 <file path=customXml/itemProps3.xml><?xml version="1.0" encoding="utf-8"?>
 <ds:datastoreItem xmlns:ds="http://schemas.openxmlformats.org/officeDocument/2006/customXml" ds:itemID="{4CB9D0C4-1816-48BB-B7D3-B65D006E1708}">
   <ds:schemaRefs>

--- a/ClassMaterials/ObjectIntroAndMisc/Slides/Part3-ObjectIntro.pptx
+++ b/ClassMaterials/ObjectIntroAndMisc/Slides/Part3-ObjectIntro.pptx
@@ -682,7 +682,7 @@
           <a:p>
             <a:fld id="{73386005-8F80-1A49-87D1-22EBFA47E352}" type="datetimeFigureOut">
               <a:rPr lang="en-US" smtClean="0"/>
-              <a:t>12/4/2022</a:t>
+              <a:t>9/9/2024</a:t>
             </a:fld>
             <a:endParaRPr lang="en-US"/>
           </a:p>
@@ -1705,7 +1705,7 @@
           <a:p>
             <a:fld id="{5B07E745-2C70-2943-8487-A8F6E88ADF5E}" type="datetimeFigureOut">
               <a:rPr lang="en-US" smtClean="0"/>
-              <a:t>12/4/2022</a:t>
+              <a:t>9/9/2024</a:t>
             </a:fld>
             <a:endParaRPr lang="en-US"/>
           </a:p>
@@ -1873,7 +1873,7 @@
           <a:p>
             <a:fld id="{5B07E745-2C70-2943-8487-A8F6E88ADF5E}" type="datetimeFigureOut">
               <a:rPr lang="en-US" smtClean="0"/>
-              <a:t>12/4/2022</a:t>
+              <a:t>9/9/2024</a:t>
             </a:fld>
             <a:endParaRPr lang="en-US"/>
           </a:p>
@@ -2051,7 +2051,7 @@
           <a:p>
             <a:fld id="{5B07E745-2C70-2943-8487-A8F6E88ADF5E}" type="datetimeFigureOut">
               <a:rPr lang="en-US" smtClean="0"/>
-              <a:t>12/4/2022</a:t>
+              <a:t>9/9/2024</a:t>
             </a:fld>
             <a:endParaRPr lang="en-US"/>
           </a:p>
@@ -2219,7 +2219,7 @@
           <a:p>
             <a:fld id="{5B07E745-2C70-2943-8487-A8F6E88ADF5E}" type="datetimeFigureOut">
               <a:rPr lang="en-US" smtClean="0"/>
-              <a:t>12/4/2022</a:t>
+              <a:t>9/9/2024</a:t>
             </a:fld>
             <a:endParaRPr lang="en-US"/>
           </a:p>
@@ -2464,7 +2464,7 @@
           <a:p>
             <a:fld id="{5B07E745-2C70-2943-8487-A8F6E88ADF5E}" type="datetimeFigureOut">
               <a:rPr lang="en-US" smtClean="0"/>
-              <a:t>12/4/2022</a:t>
+              <a:t>9/9/2024</a:t>
             </a:fld>
             <a:endParaRPr lang="en-US"/>
           </a:p>
@@ -2749,7 +2749,7 @@
           <a:p>
             <a:fld id="{5B07E745-2C70-2943-8487-A8F6E88ADF5E}" type="datetimeFigureOut">
               <a:rPr lang="en-US" smtClean="0"/>
-              <a:t>12/4/2022</a:t>
+              <a:t>9/9/2024</a:t>
             </a:fld>
             <a:endParaRPr lang="en-US"/>
           </a:p>
@@ -3168,7 +3168,7 @@
           <a:p>
             <a:fld id="{5B07E745-2C70-2943-8487-A8F6E88ADF5E}" type="datetimeFigureOut">
               <a:rPr lang="en-US" smtClean="0"/>
-              <a:t>12/4/2022</a:t>
+              <a:t>9/9/2024</a:t>
             </a:fld>
             <a:endParaRPr lang="en-US"/>
           </a:p>
@@ -3285,7 +3285,7 @@
           <a:p>
             <a:fld id="{5B07E745-2C70-2943-8487-A8F6E88ADF5E}" type="datetimeFigureOut">
               <a:rPr lang="en-US" smtClean="0"/>
-              <a:t>12/4/2022</a:t>
+              <a:t>9/9/2024</a:t>
             </a:fld>
             <a:endParaRPr lang="en-US"/>
           </a:p>
@@ -3380,7 +3380,7 @@
           <a:p>
             <a:fld id="{5B07E745-2C70-2943-8487-A8F6E88ADF5E}" type="datetimeFigureOut">
               <a:rPr lang="en-US" smtClean="0"/>
-              <a:t>12/4/2022</a:t>
+              <a:t>9/9/2024</a:t>
             </a:fld>
             <a:endParaRPr lang="en-US"/>
           </a:p>
@@ -3655,7 +3655,7 @@
           <a:p>
             <a:fld id="{5B07E745-2C70-2943-8487-A8F6E88ADF5E}" type="datetimeFigureOut">
               <a:rPr lang="en-US" smtClean="0"/>
-              <a:t>12/4/2022</a:t>
+              <a:t>9/9/2024</a:t>
             </a:fld>
             <a:endParaRPr lang="en-US"/>
           </a:p>
@@ -3907,7 +3907,7 @@
           <a:p>
             <a:fld id="{5B07E745-2C70-2943-8487-A8F6E88ADF5E}" type="datetimeFigureOut">
               <a:rPr lang="en-US" smtClean="0"/>
-              <a:t>12/4/2022</a:t>
+              <a:t>9/9/2024</a:t>
             </a:fld>
             <a:endParaRPr lang="en-US"/>
           </a:p>
@@ -4118,7 +4118,7 @@
           <a:p>
             <a:fld id="{5B07E745-2C70-2943-8487-A8F6E88ADF5E}" type="datetimeFigureOut">
               <a:rPr lang="en-US" smtClean="0"/>
-              <a:t>12/4/2022</a:t>
+              <a:t>9/9/2024</a:t>
             </a:fld>
             <a:endParaRPr lang="en-US"/>
           </a:p>
@@ -4599,7 +4599,7 @@
             </a:pPr>
             <a:r>
               <a:rPr lang="en-US" sz="2400" i="1" dirty="0" err="1"/>
-              <a:t>PracticeObjectIntroAndMiscSolution</a:t>
+              <a:t>PracticeSolutionObjectIntroAndMisc</a:t>
             </a:r>
             <a:endParaRPr lang="en-US" sz="2400" i="1" dirty="0"/>
           </a:p>
@@ -5405,8 +5405,8 @@
           </a:prstGeom>
         </p:spPr>
       </p:pic>
-      <mc:AlternateContent xmlns:mc="http://schemas.openxmlformats.org/markup-compatibility/2006">
-        <mc:Choice xmlns:p14="http://schemas.microsoft.com/office/powerpoint/2010/main" Requires="p14">
+      <mc:AlternateContent xmlns:mc="http://schemas.openxmlformats.org/markup-compatibility/2006" xmlns:p14="http://schemas.microsoft.com/office/powerpoint/2010/main">
+        <mc:Choice Requires="p14">
           <p:contentPart p14:bwMode="auto" r:id="rId4">
             <p14:nvContentPartPr>
               <p14:cNvPr id="5" name="Ink 4">
@@ -5425,7 +5425,7 @@
             </p14:xfrm>
           </p:contentPart>
         </mc:Choice>
-        <mc:Fallback>
+        <mc:Fallback xmlns="">
           <p:pic>
             <p:nvPicPr>
               <p:cNvPr id="5" name="Ink 4">
@@ -5456,8 +5456,8 @@
           </p:pic>
         </mc:Fallback>
       </mc:AlternateContent>
-      <mc:AlternateContent xmlns:mc="http://schemas.openxmlformats.org/markup-compatibility/2006">
-        <mc:Choice xmlns:p14="http://schemas.microsoft.com/office/powerpoint/2010/main" Requires="p14">
+      <mc:AlternateContent xmlns:mc="http://schemas.openxmlformats.org/markup-compatibility/2006" xmlns:p14="http://schemas.microsoft.com/office/powerpoint/2010/main">
+        <mc:Choice Requires="p14">
           <p:contentPart p14:bwMode="auto" r:id="rId6">
             <p14:nvContentPartPr>
               <p14:cNvPr id="7" name="Ink 6">
@@ -5476,7 +5476,7 @@
             </p14:xfrm>
           </p:contentPart>
         </mc:Choice>
-        <mc:Fallback>
+        <mc:Fallback xmlns="">
           <p:pic>
             <p:nvPicPr>
               <p:cNvPr id="7" name="Ink 6">
@@ -7225,7 +7225,7 @@
           </a:ln>
           <a:extLst>
             <a:ext uri="{C572A759-6A51-4108-AA02-DFA0A04FC94B}">
-              <ma14:wrappingTextBoxFlag xmlns="" xmlns:ma14="http://schemas.microsoft.com/office/mac/drawingml/2011/main" val="1"/>
+              <ma14:wrappingTextBoxFlag xmlns:ma14="http://schemas.microsoft.com/office/mac/drawingml/2011/main" xmlns="" val="1"/>
             </a:ext>
           </a:extLst>
         </p:spPr>
@@ -7447,7 +7447,7 @@
               <a:effectLst/>
               <a:extLst>
                 <a:ext uri="{C572A759-6A51-4108-AA02-DFA0A04FC94B}">
-                  <ma14:wrappingTextBoxFlag xmlns="" xmlns:ma14="http://schemas.microsoft.com/office/mac/drawingml/2011/main" val="1"/>
+                  <ma14:wrappingTextBoxFlag xmlns:ma14="http://schemas.microsoft.com/office/mac/drawingml/2011/main" xmlns="" val="1"/>
                 </a:ext>
               </a:extLst>
             </p:spPr>
@@ -7626,7 +7626,7 @@
               <a:effectLst/>
               <a:extLst>
                 <a:ext uri="{C572A759-6A51-4108-AA02-DFA0A04FC94B}">
-                  <ma14:wrappingTextBoxFlag xmlns="" xmlns:ma14="http://schemas.microsoft.com/office/mac/drawingml/2011/main" val="1"/>
+                  <ma14:wrappingTextBoxFlag xmlns:ma14="http://schemas.microsoft.com/office/mac/drawingml/2011/main" xmlns="" val="1"/>
                 </a:ext>
               </a:extLst>
             </p:spPr>
@@ -7796,7 +7796,7 @@
               <a:effectLst/>
               <a:extLst>
                 <a:ext uri="{C572A759-6A51-4108-AA02-DFA0A04FC94B}">
-                  <ma14:wrappingTextBoxFlag xmlns="" xmlns:ma14="http://schemas.microsoft.com/office/mac/drawingml/2011/main" val="1"/>
+                  <ma14:wrappingTextBoxFlag xmlns:ma14="http://schemas.microsoft.com/office/mac/drawingml/2011/main" xmlns="" val="1"/>
                 </a:ext>
               </a:extLst>
             </p:spPr>
@@ -7984,7 +7984,7 @@
               <a:effectLst/>
               <a:extLst>
                 <a:ext uri="{C572A759-6A51-4108-AA02-DFA0A04FC94B}">
-                  <ma14:wrappingTextBoxFlag xmlns="" xmlns:ma14="http://schemas.microsoft.com/office/mac/drawingml/2011/main" val="1"/>
+                  <ma14:wrappingTextBoxFlag xmlns:ma14="http://schemas.microsoft.com/office/mac/drawingml/2011/main" xmlns="" val="1"/>
                 </a:ext>
               </a:extLst>
             </p:spPr>
@@ -8129,7 +8129,7 @@
             <a:effectLst/>
             <a:extLst>
               <a:ext uri="{C572A759-6A51-4108-AA02-DFA0A04FC94B}">
-                <ma14:wrappingTextBoxFlag xmlns="" xmlns:ma14="http://schemas.microsoft.com/office/mac/drawingml/2011/main" val="1"/>
+                <ma14:wrappingTextBoxFlag xmlns:ma14="http://schemas.microsoft.com/office/mac/drawingml/2011/main" xmlns="" val="1"/>
               </a:ext>
             </a:extLst>
           </p:spPr>
@@ -8979,12 +8979,9 @@
 </file>
 
 <file path=customXml/item1.xml><?xml version="1.0" encoding="utf-8"?>
-<?mso-contentType ?>
-<FormTemplates xmlns="http://schemas.microsoft.com/sharepoint/v3/contenttype/forms">
-  <Display>DocumentLibraryForm</Display>
-  <Edit>DocumentLibraryForm</Edit>
-  <New>DocumentLibraryForm</New>
-</FormTemplates>
+<p:properties xmlns:p="http://schemas.microsoft.com/office/2006/metadata/properties" xmlns:xsi="http://www.w3.org/2001/XMLSchema-instance" xmlns:pc="http://schemas.microsoft.com/office/infopath/2007/PartnerControls">
+  <documentManagement/>
+</p:properties>
 </file>
 
 <file path=customXml/item2.xml><?xml version="1.0" encoding="utf-8"?>
@@ -9120,15 +9117,19 @@
 </file>
 
 <file path=customXml/item3.xml><?xml version="1.0" encoding="utf-8"?>
-<p:properties xmlns:p="http://schemas.microsoft.com/office/2006/metadata/properties" xmlns:xsi="http://www.w3.org/2001/XMLSchema-instance" xmlns:pc="http://schemas.microsoft.com/office/infopath/2007/PartnerControls">
-  <documentManagement/>
-</p:properties>
+<?mso-contentType ?>
+<FormTemplates xmlns="http://schemas.microsoft.com/sharepoint/v3/contenttype/forms">
+  <Display>DocumentLibraryForm</Display>
+  <Edit>DocumentLibraryForm</Edit>
+  <New>DocumentLibraryForm</New>
+</FormTemplates>
 </file>
 
 <file path=customXml/itemProps1.xml><?xml version="1.0" encoding="utf-8"?>
-<ds:datastoreItem xmlns:ds="http://schemas.openxmlformats.org/officeDocument/2006/customXml" ds:itemID="{91B7F2D7-28F4-40DC-BF4D-A63582936AC7}">
+<ds:datastoreItem xmlns:ds="http://schemas.openxmlformats.org/officeDocument/2006/customXml" ds:itemID="{4CB9D0C4-1816-48BB-B7D3-B65D006E1708}">
   <ds:schemaRefs>
-    <ds:schemaRef ds:uri="http://schemas.microsoft.com/sharepoint/v3/contenttype/forms"/>
+    <ds:schemaRef ds:uri="http://schemas.microsoft.com/office/2006/metadata/properties"/>
+    <ds:schemaRef ds:uri="http://schemas.microsoft.com/office/infopath/2007/PartnerControls"/>
   </ds:schemaRefs>
 </ds:datastoreItem>
 </file>
@@ -9152,10 +9153,9 @@
 </file>
 
 <file path=customXml/itemProps3.xml><?xml version="1.0" encoding="utf-8"?>
-<ds:datastoreItem xmlns:ds="http://schemas.openxmlformats.org/officeDocument/2006/customXml" ds:itemID="{4CB9D0C4-1816-48BB-B7D3-B65D006E1708}">
+<ds:datastoreItem xmlns:ds="http://schemas.openxmlformats.org/officeDocument/2006/customXml" ds:itemID="{91B7F2D7-28F4-40DC-BF4D-A63582936AC7}">
   <ds:schemaRefs>
-    <ds:schemaRef ds:uri="http://schemas.microsoft.com/office/2006/metadata/properties"/>
-    <ds:schemaRef ds:uri="http://schemas.microsoft.com/office/infopath/2007/PartnerControls"/>
+    <ds:schemaRef ds:uri="http://schemas.microsoft.com/sharepoint/v3/contenttype/forms"/>
   </ds:schemaRefs>
 </ds:datastoreItem>
 </file>